--- a/doc/#1_basic/Basic_class_01.pptx
+++ b/doc/#1_basic/Basic_class_01.pptx
@@ -5,7 +5,7 @@
     <p:sldMasterId id="2147483786" r:id="rId1"/>
   </p:sldMasterIdLst>
   <p:notesMasterIdLst>
-    <p:notesMasterId r:id="rId19"/>
+    <p:notesMasterId r:id="rId20"/>
   </p:notesMasterIdLst>
   <p:sldIdLst>
     <p:sldId id="256" r:id="rId2"/>
@@ -22,9 +22,10 @@
     <p:sldId id="268" r:id="rId13"/>
     <p:sldId id="269" r:id="rId14"/>
     <p:sldId id="273" r:id="rId15"/>
-    <p:sldId id="270" r:id="rId16"/>
-    <p:sldId id="274" r:id="rId17"/>
-    <p:sldId id="272" r:id="rId18"/>
+    <p:sldId id="276" r:id="rId16"/>
+    <p:sldId id="270" r:id="rId17"/>
+    <p:sldId id="274" r:id="rId18"/>
+    <p:sldId id="272" r:id="rId19"/>
   </p:sldIdLst>
   <p:sldSz cx="12192000" cy="6858000"/>
   <p:notesSz cx="12192000" cy="6858000"/>
@@ -142,6 +143,7 @@
             <p14:sldId id="268"/>
             <p14:sldId id="269"/>
             <p14:sldId id="273"/>
+            <p14:sldId id="276"/>
             <p14:sldId id="270"/>
             <p14:sldId id="274"/>
             <p14:sldId id="272"/>
@@ -255,7 +257,7 @@
           <a:p>
             <a:fld id="{DBEFAE78-189D-4A7D-9189-B6B2058620B8}" type="datetimeFigureOut">
               <a:rPr lang="ko-KR" altLang="en-US" smtClean="0"/>
-              <a:t>2020-12-20</a:t>
+              <a:t>2021-07-25</a:t>
             </a:fld>
             <a:endParaRPr lang="ko-KR" altLang="en-US"/>
           </a:p>
@@ -664,7 +666,7 @@
           <a:p>
             <a:fld id="{1D8BD707-D9CF-40AE-B4C6-C98DA3205C09}" type="datetimeFigureOut">
               <a:rPr lang="en-US" smtClean="0"/>
-              <a:t>12/20/2020</a:t>
+              <a:t>7/25/2021</a:t>
             </a:fld>
             <a:endParaRPr lang="en-US"/>
           </a:p>
@@ -834,7 +836,7 @@
           <a:p>
             <a:fld id="{1D8BD707-D9CF-40AE-B4C6-C98DA3205C09}" type="datetimeFigureOut">
               <a:rPr lang="en-US" smtClean="0"/>
-              <a:t>12/20/2020</a:t>
+              <a:t>7/25/2021</a:t>
             </a:fld>
             <a:endParaRPr lang="en-US"/>
           </a:p>
@@ -1014,7 +1016,7 @@
           <a:p>
             <a:fld id="{1D8BD707-D9CF-40AE-B4C6-C98DA3205C09}" type="datetimeFigureOut">
               <a:rPr lang="en-US" smtClean="0"/>
-              <a:t>12/20/2020</a:t>
+              <a:t>7/25/2021</a:t>
             </a:fld>
             <a:endParaRPr lang="en-US"/>
           </a:p>
@@ -1184,7 +1186,7 @@
           <a:p>
             <a:fld id="{1D8BD707-D9CF-40AE-B4C6-C98DA3205C09}" type="datetimeFigureOut">
               <a:rPr lang="en-US" smtClean="0"/>
-              <a:t>12/20/2020</a:t>
+              <a:t>7/25/2021</a:t>
             </a:fld>
             <a:endParaRPr lang="en-US"/>
           </a:p>
@@ -1435,7 +1437,7 @@
           <a:p>
             <a:fld id="{1D8BD707-D9CF-40AE-B4C6-C98DA3205C09}" type="datetimeFigureOut">
               <a:rPr lang="en-US" smtClean="0"/>
-              <a:t>12/20/2020</a:t>
+              <a:t>7/25/2021</a:t>
             </a:fld>
             <a:endParaRPr lang="en-US"/>
           </a:p>
@@ -1667,7 +1669,7 @@
           <a:p>
             <a:fld id="{1D8BD707-D9CF-40AE-B4C6-C98DA3205C09}" type="datetimeFigureOut">
               <a:rPr lang="en-US" smtClean="0"/>
-              <a:t>12/20/2020</a:t>
+              <a:t>7/25/2021</a:t>
             </a:fld>
             <a:endParaRPr lang="en-US"/>
           </a:p>
@@ -2014,7 +2016,7 @@
           <a:p>
             <a:fld id="{1D8BD707-D9CF-40AE-B4C6-C98DA3205C09}" type="datetimeFigureOut">
               <a:rPr lang="en-US" smtClean="0"/>
-              <a:t>12/20/2020</a:t>
+              <a:t>7/25/2021</a:t>
             </a:fld>
             <a:endParaRPr lang="en-US"/>
           </a:p>
@@ -2132,7 +2134,7 @@
           <a:p>
             <a:fld id="{1D8BD707-D9CF-40AE-B4C6-C98DA3205C09}" type="datetimeFigureOut">
               <a:rPr lang="en-US" smtClean="0"/>
-              <a:t>12/20/2020</a:t>
+              <a:t>7/25/2021</a:t>
             </a:fld>
             <a:endParaRPr lang="en-US"/>
           </a:p>
@@ -2250,7 +2252,7 @@
           <a:p>
             <a:fld id="{1D8BD707-D9CF-40AE-B4C6-C98DA3205C09}" type="datetimeFigureOut">
               <a:rPr lang="en-US" smtClean="0"/>
-              <a:t>12/20/2020</a:t>
+              <a:t>7/25/2021</a:t>
             </a:fld>
             <a:endParaRPr lang="en-US"/>
           </a:p>
@@ -2534,7 +2536,7 @@
           <a:p>
             <a:fld id="{1D8BD707-D9CF-40AE-B4C6-C98DA3205C09}" type="datetimeFigureOut">
               <a:rPr lang="en-US" smtClean="0"/>
-              <a:t>12/20/2020</a:t>
+              <a:t>7/25/2021</a:t>
             </a:fld>
             <a:endParaRPr lang="en-US"/>
           </a:p>
@@ -2798,7 +2800,7 @@
           <a:p>
             <a:fld id="{1D8BD707-D9CF-40AE-B4C6-C98DA3205C09}" type="datetimeFigureOut">
               <a:rPr lang="en-US" smtClean="0"/>
-              <a:t>12/20/2020</a:t>
+              <a:t>7/25/2021</a:t>
             </a:fld>
             <a:endParaRPr lang="en-US"/>
           </a:p>
@@ -3012,7 +3014,7 @@
           <a:p>
             <a:fld id="{1D8BD707-D9CF-40AE-B4C6-C98DA3205C09}" type="datetimeFigureOut">
               <a:rPr lang="en-US" smtClean="0"/>
-              <a:t>12/20/2020</a:t>
+              <a:t>7/25/2021</a:t>
             </a:fld>
             <a:endParaRPr lang="en-US"/>
           </a:p>
@@ -3626,7 +3628,7 @@
         </p:nvSpPr>
         <p:spPr>
           <a:xfrm>
-            <a:off x="0" y="0"/>
+            <a:off x="0" y="-136187"/>
             <a:ext cx="12192000" cy="6858000"/>
           </a:xfrm>
           <a:prstGeom prst="rect">
@@ -3680,8 +3682,8 @@
         </p:nvSpPr>
         <p:spPr>
           <a:xfrm>
-            <a:off x="1556136" y="1524000"/>
-            <a:ext cx="9079729" cy="1446550"/>
+            <a:off x="1619423" y="1524000"/>
+            <a:ext cx="8953157" cy="1723549"/>
           </a:xfrm>
           <a:prstGeom prst="rect">
             <a:avLst/>
@@ -3707,7 +3709,19 @@
               <a:rPr lang="en-US" altLang="ko-KR" sz="8800" dirty="0"/>
               <a:t>the Python</a:t>
             </a:r>
-            <a:endParaRPr lang="ko-KR" altLang="en-US" sz="8800" dirty="0"/>
+            <a:endParaRPr lang="en-US" altLang="ko-KR" sz="8000" dirty="0"/>
+          </a:p>
+          <a:p>
+            <a:pPr algn="ctr"/>
+            <a:r>
+              <a:rPr lang="en-US" altLang="ko-KR" dirty="0"/>
+              <a:t>and </a:t>
+            </a:r>
+            <a:r>
+              <a:rPr lang="en-US" altLang="ko-KR" dirty="0" err="1"/>
+              <a:t>VSCode</a:t>
+            </a:r>
+            <a:endParaRPr lang="en-US" altLang="ko-KR" sz="8800" dirty="0"/>
           </a:p>
         </p:txBody>
       </p:sp>
@@ -5853,6 +5867,181 @@
           </a:p>
         </p:txBody>
       </p:sp>
+      <p:pic>
+        <p:nvPicPr>
+          <p:cNvPr id="5" name="그림 4">
+            <a:extLst>
+              <a:ext uri="{FF2B5EF4-FFF2-40B4-BE49-F238E27FC236}">
+                <a16:creationId xmlns:a16="http://schemas.microsoft.com/office/drawing/2014/main" id="{BA7DCF44-19A3-463E-B003-933C440F2546}"/>
+              </a:ext>
+            </a:extLst>
+          </p:cNvPr>
+          <p:cNvPicPr>
+            <a:picLocks noChangeAspect="1"/>
+          </p:cNvPicPr>
+          <p:nvPr/>
+        </p:nvPicPr>
+        <p:blipFill>
+          <a:blip r:embed="rId2"/>
+          <a:stretch>
+            <a:fillRect/>
+          </a:stretch>
+        </p:blipFill>
+        <p:spPr>
+          <a:xfrm>
+            <a:off x="368030" y="1752600"/>
+            <a:ext cx="7339015" cy="4141301"/>
+          </a:xfrm>
+          <a:prstGeom prst="rect">
+            <a:avLst/>
+          </a:prstGeom>
+        </p:spPr>
+      </p:pic>
+      <p:pic>
+        <p:nvPicPr>
+          <p:cNvPr id="4" name="그림 3">
+            <a:extLst>
+              <a:ext uri="{FF2B5EF4-FFF2-40B4-BE49-F238E27FC236}">
+                <a16:creationId xmlns:a16="http://schemas.microsoft.com/office/drawing/2014/main" id="{72FEF54B-7519-4A93-A1F3-31EE1AD39862}"/>
+              </a:ext>
+            </a:extLst>
+          </p:cNvPr>
+          <p:cNvPicPr>
+            <a:picLocks noChangeAspect="1"/>
+          </p:cNvPicPr>
+          <p:nvPr/>
+        </p:nvPicPr>
+        <p:blipFill>
+          <a:blip r:embed="rId3"/>
+          <a:stretch>
+            <a:fillRect/>
+          </a:stretch>
+        </p:blipFill>
+        <p:spPr>
+          <a:xfrm>
+            <a:off x="6333128" y="3215435"/>
+            <a:ext cx="5490842" cy="3336397"/>
+          </a:xfrm>
+          <a:prstGeom prst="rect">
+            <a:avLst/>
+          </a:prstGeom>
+        </p:spPr>
+      </p:pic>
+    </p:spTree>
+    <p:extLst>
+      <p:ext uri="{BB962C8B-B14F-4D97-AF65-F5344CB8AC3E}">
+        <p14:creationId xmlns:p14="http://schemas.microsoft.com/office/powerpoint/2010/main" val="127946250"/>
+      </p:ext>
+    </p:extLst>
+  </p:cSld>
+  <p:clrMapOvr>
+    <a:masterClrMapping/>
+  </p:clrMapOvr>
+</p:sld>
+</file>
+
+<file path=ppt/slides/slide15.xml><?xml version="1.0" encoding="utf-8"?>
+<p:sld xmlns:a="http://schemas.openxmlformats.org/drawingml/2006/main" xmlns:r="http://schemas.openxmlformats.org/officeDocument/2006/relationships" xmlns:p="http://schemas.openxmlformats.org/presentationml/2006/main">
+  <p:cSld>
+    <p:spTree>
+      <p:nvGrpSpPr>
+        <p:cNvPr id="1" name=""/>
+        <p:cNvGrpSpPr/>
+        <p:nvPr/>
+      </p:nvGrpSpPr>
+      <p:grpSpPr>
+        <a:xfrm>
+          <a:off x="0" y="0"/>
+          <a:ext cx="0" cy="0"/>
+          <a:chOff x="0" y="0"/>
+          <a:chExt cx="0" cy="0"/>
+        </a:xfrm>
+      </p:grpSpPr>
+      <p:sp>
+        <p:nvSpPr>
+          <p:cNvPr id="2" name="object 2"/>
+          <p:cNvSpPr txBox="1">
+            <a:spLocks noGrp="1"/>
+          </p:cNvSpPr>
+          <p:nvPr>
+            <p:ph type="title"/>
+          </p:nvPr>
+        </p:nvSpPr>
+        <p:spPr>
+          <a:xfrm>
+            <a:off x="554802" y="338877"/>
+            <a:ext cx="6455598" cy="689932"/>
+          </a:xfrm>
+          <a:prstGeom prst="rect">
+            <a:avLst/>
+          </a:prstGeom>
+        </p:spPr>
+        <p:txBody>
+          <a:bodyPr vert="horz" wrap="square" lIns="0" tIns="12700" rIns="0" bIns="0" rtlCol="0">
+            <a:spAutoFit/>
+          </a:bodyPr>
+          <a:lstStyle/>
+          <a:p>
+            <a:pPr marL="12700">
+              <a:lnSpc>
+                <a:spcPct val="100000"/>
+              </a:lnSpc>
+              <a:spcBef>
+                <a:spcPts val="100"/>
+              </a:spcBef>
+            </a:pPr>
+            <a:r>
+              <a:rPr lang="ko-KR" altLang="en-US" dirty="0"/>
+              <a:t>개인적 취향 저격 </a:t>
+            </a:r>
+            <a:r>
+              <a:rPr lang="en-US" altLang="ko-KR" dirty="0" err="1"/>
+              <a:t>VScode</a:t>
+            </a:r>
+            <a:endParaRPr dirty="0"/>
+          </a:p>
+        </p:txBody>
+      </p:sp>
+      <p:sp>
+        <p:nvSpPr>
+          <p:cNvPr id="7" name="object 5">
+            <a:extLst>
+              <a:ext uri="{FF2B5EF4-FFF2-40B4-BE49-F238E27FC236}">
+                <a16:creationId xmlns:a16="http://schemas.microsoft.com/office/drawing/2014/main" id="{81D581BC-69A3-4E1F-89AD-45FC6E8CFFD5}"/>
+              </a:ext>
+            </a:extLst>
+          </p:cNvPr>
+          <p:cNvSpPr/>
+          <p:nvPr/>
+        </p:nvSpPr>
+        <p:spPr>
+          <a:xfrm>
+            <a:off x="0" y="1408175"/>
+            <a:ext cx="12192000" cy="99060"/>
+          </a:xfrm>
+          <a:prstGeom prst="rect">
+            <a:avLst/>
+          </a:prstGeom>
+          <a:gradFill>
+            <a:gsLst>
+              <a:gs pos="0">
+                <a:srgbClr val="3870A1"/>
+              </a:gs>
+              <a:gs pos="100000">
+                <a:srgbClr val="FFD243"/>
+              </a:gs>
+            </a:gsLst>
+            <a:lin ang="0" scaled="0"/>
+          </a:gradFill>
+        </p:spPr>
+        <p:txBody>
+          <a:bodyPr wrap="square" lIns="0" tIns="0" rIns="0" bIns="0" rtlCol="0"/>
+          <a:lstStyle/>
+          <a:p>
+            <a:endParaRPr/>
+          </a:p>
+        </p:txBody>
+      </p:sp>
       <p:sp>
         <p:nvSpPr>
           <p:cNvPr id="8" name="TextBox 7">
@@ -6055,7 +6244,7 @@
     </p:spTree>
     <p:extLst>
       <p:ext uri="{BB962C8B-B14F-4D97-AF65-F5344CB8AC3E}">
-        <p14:creationId xmlns:p14="http://schemas.microsoft.com/office/powerpoint/2010/main" val="127946250"/>
+        <p14:creationId xmlns:p14="http://schemas.microsoft.com/office/powerpoint/2010/main" val="1388008921"/>
       </p:ext>
     </p:extLst>
   </p:cSld>
@@ -6065,7 +6254,7 @@
 </p:sld>
 </file>
 
-<file path=ppt/slides/slide15.xml><?xml version="1.0" encoding="utf-8"?>
+<file path=ppt/slides/slide16.xml><?xml version="1.0" encoding="utf-8"?>
 <p:sld xmlns:a="http://schemas.openxmlformats.org/drawingml/2006/main" xmlns:r="http://schemas.openxmlformats.org/officeDocument/2006/relationships" xmlns:p="http://schemas.openxmlformats.org/presentationml/2006/main">
   <p:cSld>
     <p:spTree>
@@ -6655,7 +6844,7 @@
 </p:sld>
 </file>
 
-<file path=ppt/slides/slide16.xml><?xml version="1.0" encoding="utf-8"?>
+<file path=ppt/slides/slide17.xml><?xml version="1.0" encoding="utf-8"?>
 <p:sld xmlns:a="http://schemas.openxmlformats.org/drawingml/2006/main" xmlns:r="http://schemas.openxmlformats.org/officeDocument/2006/relationships" xmlns:p="http://schemas.openxmlformats.org/presentationml/2006/main">
   <p:cSld>
     <p:spTree>
@@ -7046,7 +7235,7 @@
 </p:sld>
 </file>
 
-<file path=ppt/slides/slide17.xml><?xml version="1.0" encoding="utf-8"?>
+<file path=ppt/slides/slide18.xml><?xml version="1.0" encoding="utf-8"?>
 <p:sld xmlns:a="http://schemas.openxmlformats.org/drawingml/2006/main" xmlns:r="http://schemas.openxmlformats.org/officeDocument/2006/relationships" xmlns:p="http://schemas.openxmlformats.org/presentationml/2006/main">
   <p:cSld>
     <p:spTree>
@@ -9343,73 +9532,6 @@
       </p:grpSpPr>
       <p:sp>
         <p:nvSpPr>
-          <p:cNvPr id="2" name="object 2"/>
-          <p:cNvSpPr txBox="1">
-            <a:spLocks noGrp="1"/>
-          </p:cNvSpPr>
-          <p:nvPr>
-            <p:ph type="title"/>
-          </p:nvPr>
-        </p:nvSpPr>
-        <p:spPr>
-          <a:xfrm>
-            <a:off x="554802" y="335546"/>
-            <a:ext cx="5955030" cy="696595"/>
-          </a:xfrm>
-          <a:prstGeom prst="rect">
-            <a:avLst/>
-          </a:prstGeom>
-        </p:spPr>
-        <p:txBody>
-          <a:bodyPr vert="horz" wrap="square" lIns="0" tIns="12700" rIns="0" bIns="0" rtlCol="0">
-            <a:spAutoFit/>
-          </a:bodyPr>
-          <a:lstStyle/>
-          <a:p>
-            <a:pPr marL="12700">
-              <a:lnSpc>
-                <a:spcPct val="100000"/>
-              </a:lnSpc>
-              <a:spcBef>
-                <a:spcPts val="100"/>
-              </a:spcBef>
-            </a:pPr>
-            <a:r>
-              <a:rPr dirty="0"/>
-              <a:t>파이썬</a:t>
-            </a:r>
-            <a:r>
-              <a:rPr spc="-1125" dirty="0"/>
-              <a:t> </a:t>
-            </a:r>
-            <a:r>
-              <a:rPr dirty="0"/>
-              <a:t>프로그램</a:t>
-            </a:r>
-            <a:r>
-              <a:rPr spc="-1125" dirty="0"/>
-              <a:t> </a:t>
-            </a:r>
-            <a:r>
-              <a:rPr dirty="0"/>
-              <a:t>설치</a:t>
-            </a:r>
-            <a:r>
-              <a:rPr spc="-1115" dirty="0"/>
-              <a:t> </a:t>
-            </a:r>
-            <a:r>
-              <a:rPr spc="-170" dirty="0">
-                <a:latin typeface="Noto Sans CJK JP Bold"/>
-                <a:cs typeface="Noto Sans CJK JP Bold"/>
-              </a:rPr>
-              <a:t>1</a:t>
-            </a:r>
-          </a:p>
-        </p:txBody>
-      </p:sp>
-      <p:sp>
-        <p:nvSpPr>
           <p:cNvPr id="3" name="object 3"/>
           <p:cNvSpPr txBox="1"/>
           <p:nvPr/>
@@ -9648,6 +9770,65 @@
           <a:lstStyle/>
           <a:p>
             <a:endParaRPr/>
+          </a:p>
+        </p:txBody>
+      </p:sp>
+      <p:sp>
+        <p:nvSpPr>
+          <p:cNvPr id="12" name="제목 8">
+            <a:extLst>
+              <a:ext uri="{FF2B5EF4-FFF2-40B4-BE49-F238E27FC236}">
+                <a16:creationId xmlns:a16="http://schemas.microsoft.com/office/drawing/2014/main" id="{3A4A8C51-C2DF-4942-92D7-6094830DD545}"/>
+              </a:ext>
+            </a:extLst>
+          </p:cNvPr>
+          <p:cNvSpPr txBox="1">
+            <a:spLocks/>
+          </p:cNvSpPr>
+          <p:nvPr/>
+        </p:nvSpPr>
+        <p:spPr>
+          <a:xfrm>
+            <a:off x="838200" y="181673"/>
+            <a:ext cx="10515600" cy="1325562"/>
+          </a:xfrm>
+          <a:prstGeom prst="rect">
+            <a:avLst/>
+          </a:prstGeom>
+        </p:spPr>
+        <p:txBody>
+          <a:bodyPr vert="horz" lIns="91440" tIns="45720" rIns="91440" bIns="45720" rtlCol="0" anchor="ctr">
+            <a:normAutofit/>
+          </a:bodyPr>
+          <a:lstStyle>
+            <a:lvl1pPr algn="l" defTabSz="914400" rtl="0" eaLnBrk="1" latinLnBrk="1" hangingPunct="1">
+              <a:lnSpc>
+                <a:spcPct val="90000"/>
+              </a:lnSpc>
+              <a:spcBef>
+                <a:spcPct val="0"/>
+              </a:spcBef>
+              <a:buNone/>
+              <a:defRPr sz="4400" kern="1200">
+                <a:solidFill>
+                  <a:schemeClr val="tx1"/>
+                </a:solidFill>
+                <a:latin typeface="+mj-lt"/>
+                <a:ea typeface="+mj-ea"/>
+                <a:cs typeface="+mj-cs"/>
+              </a:defRPr>
+            </a:lvl1pPr>
+          </a:lstStyle>
+          <a:p>
+            <a:r>
+              <a:rPr lang="ko-KR" altLang="en-US" dirty="0"/>
+              <a:t>파이썬  프로그램 설치 </a:t>
+            </a:r>
+            <a:r>
+              <a:rPr lang="en-US" altLang="ko-KR" dirty="0"/>
+              <a:t>1</a:t>
+            </a:r>
+            <a:endParaRPr lang="ko-KR" altLang="en-US" dirty="0"/>
           </a:p>
         </p:txBody>
       </p:sp>
@@ -9676,73 +9857,6 @@
           <a:chExt cx="0" cy="0"/>
         </a:xfrm>
       </p:grpSpPr>
-      <p:sp>
-        <p:nvSpPr>
-          <p:cNvPr id="2" name="object 2"/>
-          <p:cNvSpPr txBox="1">
-            <a:spLocks noGrp="1"/>
-          </p:cNvSpPr>
-          <p:nvPr>
-            <p:ph type="title"/>
-          </p:nvPr>
-        </p:nvSpPr>
-        <p:spPr>
-          <a:xfrm>
-            <a:off x="554802" y="335546"/>
-            <a:ext cx="5955030" cy="696595"/>
-          </a:xfrm>
-          <a:prstGeom prst="rect">
-            <a:avLst/>
-          </a:prstGeom>
-        </p:spPr>
-        <p:txBody>
-          <a:bodyPr vert="horz" wrap="square" lIns="0" tIns="12700" rIns="0" bIns="0" rtlCol="0">
-            <a:spAutoFit/>
-          </a:bodyPr>
-          <a:lstStyle/>
-          <a:p>
-            <a:pPr marL="12700">
-              <a:lnSpc>
-                <a:spcPct val="100000"/>
-              </a:lnSpc>
-              <a:spcBef>
-                <a:spcPts val="100"/>
-              </a:spcBef>
-            </a:pPr>
-            <a:r>
-              <a:rPr dirty="0"/>
-              <a:t>파이썬</a:t>
-            </a:r>
-            <a:r>
-              <a:rPr spc="-1125" dirty="0"/>
-              <a:t> </a:t>
-            </a:r>
-            <a:r>
-              <a:rPr dirty="0"/>
-              <a:t>프로그램</a:t>
-            </a:r>
-            <a:r>
-              <a:rPr spc="-1125" dirty="0"/>
-              <a:t> </a:t>
-            </a:r>
-            <a:r>
-              <a:rPr dirty="0"/>
-              <a:t>설치</a:t>
-            </a:r>
-            <a:r>
-              <a:rPr spc="-1115" dirty="0"/>
-              <a:t> </a:t>
-            </a:r>
-            <a:r>
-              <a:rPr spc="-170" dirty="0">
-                <a:latin typeface="Noto Sans CJK JP Bold"/>
-                <a:cs typeface="Noto Sans CJK JP Bold"/>
-              </a:rPr>
-              <a:t>2</a:t>
-            </a:r>
-          </a:p>
-        </p:txBody>
-      </p:sp>
       <p:sp>
         <p:nvSpPr>
           <p:cNvPr id="3" name="object 3"/>
@@ -10045,6 +10159,65 @@
           </a:fontRef>
         </p:style>
       </p:cxnSp>
+      <p:sp>
+        <p:nvSpPr>
+          <p:cNvPr id="12" name="제목 8">
+            <a:extLst>
+              <a:ext uri="{FF2B5EF4-FFF2-40B4-BE49-F238E27FC236}">
+                <a16:creationId xmlns:a16="http://schemas.microsoft.com/office/drawing/2014/main" id="{75E2134C-A12D-4F93-914E-9070108FDD92}"/>
+              </a:ext>
+            </a:extLst>
+          </p:cNvPr>
+          <p:cNvSpPr txBox="1">
+            <a:spLocks/>
+          </p:cNvSpPr>
+          <p:nvPr/>
+        </p:nvSpPr>
+        <p:spPr>
+          <a:xfrm>
+            <a:off x="838200" y="181673"/>
+            <a:ext cx="10515600" cy="1325562"/>
+          </a:xfrm>
+          <a:prstGeom prst="rect">
+            <a:avLst/>
+          </a:prstGeom>
+        </p:spPr>
+        <p:txBody>
+          <a:bodyPr vert="horz" lIns="91440" tIns="45720" rIns="91440" bIns="45720" rtlCol="0" anchor="ctr">
+            <a:normAutofit/>
+          </a:bodyPr>
+          <a:lstStyle>
+            <a:lvl1pPr algn="l" defTabSz="914400" rtl="0" eaLnBrk="1" latinLnBrk="1" hangingPunct="1">
+              <a:lnSpc>
+                <a:spcPct val="90000"/>
+              </a:lnSpc>
+              <a:spcBef>
+                <a:spcPct val="0"/>
+              </a:spcBef>
+              <a:buNone/>
+              <a:defRPr sz="4400" kern="1200">
+                <a:solidFill>
+                  <a:schemeClr val="tx1"/>
+                </a:solidFill>
+                <a:latin typeface="+mj-lt"/>
+                <a:ea typeface="+mj-ea"/>
+                <a:cs typeface="+mj-cs"/>
+              </a:defRPr>
+            </a:lvl1pPr>
+          </a:lstStyle>
+          <a:p>
+            <a:r>
+              <a:rPr lang="ko-KR" altLang="en-US" dirty="0"/>
+              <a:t>파이썬  프로그램 설치 </a:t>
+            </a:r>
+            <a:r>
+              <a:rPr lang="en-US" altLang="ko-KR" dirty="0"/>
+              <a:t>2</a:t>
+            </a:r>
+            <a:endParaRPr lang="ko-KR" altLang="en-US" dirty="0"/>
+          </a:p>
+        </p:txBody>
+      </p:sp>
     </p:spTree>
   </p:cSld>
   <p:clrMapOvr>
@@ -10070,73 +10243,6 @@
           <a:chExt cx="0" cy="0"/>
         </a:xfrm>
       </p:grpSpPr>
-      <p:sp>
-        <p:nvSpPr>
-          <p:cNvPr id="2" name="object 2"/>
-          <p:cNvSpPr txBox="1">
-            <a:spLocks noGrp="1"/>
-          </p:cNvSpPr>
-          <p:nvPr>
-            <p:ph type="title"/>
-          </p:nvPr>
-        </p:nvSpPr>
-        <p:spPr>
-          <a:xfrm>
-            <a:off x="554802" y="335546"/>
-            <a:ext cx="5955030" cy="696595"/>
-          </a:xfrm>
-          <a:prstGeom prst="rect">
-            <a:avLst/>
-          </a:prstGeom>
-        </p:spPr>
-        <p:txBody>
-          <a:bodyPr vert="horz" wrap="square" lIns="0" tIns="12700" rIns="0" bIns="0" rtlCol="0">
-            <a:spAutoFit/>
-          </a:bodyPr>
-          <a:lstStyle/>
-          <a:p>
-            <a:pPr marL="12700">
-              <a:lnSpc>
-                <a:spcPct val="100000"/>
-              </a:lnSpc>
-              <a:spcBef>
-                <a:spcPts val="100"/>
-              </a:spcBef>
-            </a:pPr>
-            <a:r>
-              <a:rPr dirty="0"/>
-              <a:t>파이썬</a:t>
-            </a:r>
-            <a:r>
-              <a:rPr spc="-1125" dirty="0"/>
-              <a:t> </a:t>
-            </a:r>
-            <a:r>
-              <a:rPr dirty="0"/>
-              <a:t>프로그램</a:t>
-            </a:r>
-            <a:r>
-              <a:rPr spc="-1125" dirty="0"/>
-              <a:t> </a:t>
-            </a:r>
-            <a:r>
-              <a:rPr dirty="0"/>
-              <a:t>설치</a:t>
-            </a:r>
-            <a:r>
-              <a:rPr spc="-1115" dirty="0"/>
-              <a:t> </a:t>
-            </a:r>
-            <a:r>
-              <a:rPr spc="-170" dirty="0">
-                <a:latin typeface="Noto Sans CJK JP Bold"/>
-                <a:cs typeface="Noto Sans CJK JP Bold"/>
-              </a:rPr>
-              <a:t>3</a:t>
-            </a:r>
-          </a:p>
-        </p:txBody>
-      </p:sp>
       <p:sp>
         <p:nvSpPr>
           <p:cNvPr id="3" name="object 3"/>
@@ -10317,6 +10423,65 @@
           <a:p>
             <a:pPr algn="ctr"/>
             <a:endParaRPr lang="ko-KR" altLang="en-US"/>
+          </a:p>
+        </p:txBody>
+      </p:sp>
+      <p:sp>
+        <p:nvSpPr>
+          <p:cNvPr id="9" name="제목 8">
+            <a:extLst>
+              <a:ext uri="{FF2B5EF4-FFF2-40B4-BE49-F238E27FC236}">
+                <a16:creationId xmlns:a16="http://schemas.microsoft.com/office/drawing/2014/main" id="{80BD22F1-4A0A-4084-88A6-ADDCA3F544C3}"/>
+              </a:ext>
+            </a:extLst>
+          </p:cNvPr>
+          <p:cNvSpPr txBox="1">
+            <a:spLocks/>
+          </p:cNvSpPr>
+          <p:nvPr/>
+        </p:nvSpPr>
+        <p:spPr>
+          <a:xfrm>
+            <a:off x="838200" y="181673"/>
+            <a:ext cx="10515600" cy="1325562"/>
+          </a:xfrm>
+          <a:prstGeom prst="rect">
+            <a:avLst/>
+          </a:prstGeom>
+        </p:spPr>
+        <p:txBody>
+          <a:bodyPr vert="horz" lIns="91440" tIns="45720" rIns="91440" bIns="45720" rtlCol="0" anchor="ctr">
+            <a:normAutofit/>
+          </a:bodyPr>
+          <a:lstStyle>
+            <a:lvl1pPr algn="l" defTabSz="914400" rtl="0" eaLnBrk="1" latinLnBrk="1" hangingPunct="1">
+              <a:lnSpc>
+                <a:spcPct val="90000"/>
+              </a:lnSpc>
+              <a:spcBef>
+                <a:spcPct val="0"/>
+              </a:spcBef>
+              <a:buNone/>
+              <a:defRPr sz="4400" kern="1200">
+                <a:solidFill>
+                  <a:schemeClr val="tx1"/>
+                </a:solidFill>
+                <a:latin typeface="+mj-lt"/>
+                <a:ea typeface="+mj-ea"/>
+                <a:cs typeface="+mj-cs"/>
+              </a:defRPr>
+            </a:lvl1pPr>
+          </a:lstStyle>
+          <a:p>
+            <a:r>
+              <a:rPr lang="ko-KR" altLang="en-US" dirty="0"/>
+              <a:t>파이썬  프로그램 설치 </a:t>
+            </a:r>
+            <a:r>
+              <a:rPr lang="en-US" altLang="ko-KR" dirty="0"/>
+              <a:t>3</a:t>
+            </a:r>
+            <a:endParaRPr lang="ko-KR" altLang="en-US" dirty="0"/>
           </a:p>
         </p:txBody>
       </p:sp>
